--- a/Doc/PPT/Samle.pptx
+++ b/Doc/PPT/Samle.pptx
@@ -12,6 +12,7 @@
     <p:sldId id="260" r:id="rId6"/>
     <p:sldId id="261" r:id="rId7"/>
     <p:sldId id="262" r:id="rId8"/>
+    <p:sldId id="263" r:id="rId9"/>
   </p:sldIdLst>
   <p:sldSz cx="12192000" cy="6858000"/>
   <p:notesSz cx="6858000" cy="9144000"/>
@@ -110,6 +111,11 @@
       </a:defRPr>
     </a:lvl9pPr>
   </p:defaultTextStyle>
+  <p:extLst>
+    <p:ext uri="{EFAFB233-063F-42B5-8137-9DF3F51BA10A}">
+      <p15:sldGuideLst xmlns:p15="http://schemas.microsoft.com/office/powerpoint/2012/main"/>
+    </p:ext>
+  </p:extLst>
 </p:presentation>
 </file>
 
@@ -10783,10 +10789,1530 @@
           </a:prstGeom>
         </p:spPr>
       </p:pic>
+      <p:pic>
+        <p:nvPicPr>
+          <p:cNvPr id="3" name="Picture 2" descr="目標寫在沙灘上@ 混酌人生，林保華的療心酒吧。 :: 痞客邦::">
+            <a:extLst>
+              <a:ext uri="{FF2B5EF4-FFF2-40B4-BE49-F238E27FC236}">
+                <a16:creationId xmlns:a16="http://schemas.microsoft.com/office/drawing/2014/main" id="{8F36F2D9-F2B9-43D4-A522-965B949286CC}"/>
+              </a:ext>
+            </a:extLst>
+          </p:cNvPr>
+          <p:cNvPicPr>
+            <a:picLocks noChangeAspect="1" noChangeArrowheads="1"/>
+          </p:cNvPicPr>
+          <p:nvPr/>
+        </p:nvPicPr>
+        <p:blipFill>
+          <a:blip r:embed="rId3" cstate="print">
+            <a:extLst>
+              <a:ext uri="{28A0092B-C50C-407E-A947-70E740481C1C}">
+                <a14:useLocalDpi xmlns:a14="http://schemas.microsoft.com/office/drawing/2010/main" val="0"/>
+              </a:ext>
+            </a:extLst>
+          </a:blip>
+          <a:srcRect/>
+          <a:stretch>
+            <a:fillRect/>
+          </a:stretch>
+        </p:blipFill>
+        <p:spPr bwMode="auto">
+          <a:xfrm>
+            <a:off x="777578" y="1959466"/>
+            <a:ext cx="949592" cy="949592"/>
+          </a:xfrm>
+          <a:prstGeom prst="rect">
+            <a:avLst/>
+          </a:prstGeom>
+          <a:noFill/>
+          <a:extLst>
+            <a:ext uri="{909E8E84-426E-40DD-AFC4-6F175D3DCCD1}">
+              <a14:hiddenFill xmlns:a14="http://schemas.microsoft.com/office/drawing/2010/main">
+                <a:solidFill>
+                  <a:srgbClr val="FFFFFF"/>
+                </a:solidFill>
+              </a14:hiddenFill>
+            </a:ext>
+          </a:extLst>
+        </p:spPr>
+      </p:pic>
+      <p:pic>
+        <p:nvPicPr>
+          <p:cNvPr id="4" name="Picture 5">
+            <a:extLst>
+              <a:ext uri="{FF2B5EF4-FFF2-40B4-BE49-F238E27FC236}">
+                <a16:creationId xmlns:a16="http://schemas.microsoft.com/office/drawing/2014/main" id="{AE634260-951B-4F11-B728-B9E5A3168437}"/>
+              </a:ext>
+            </a:extLst>
+          </p:cNvPr>
+          <p:cNvPicPr>
+            <a:picLocks noChangeAspect="1" noChangeArrowheads="1"/>
+          </p:cNvPicPr>
+          <p:nvPr/>
+        </p:nvPicPr>
+        <p:blipFill>
+          <a:blip r:embed="rId4">
+            <a:duotone>
+              <a:schemeClr val="accent1">
+                <a:shade val="45000"/>
+                <a:satMod val="135000"/>
+              </a:schemeClr>
+              <a:prstClr val="white"/>
+            </a:duotone>
+            <a:extLst>
+              <a:ext uri="{BEBA8EAE-BF5A-486C-A8C5-ECC9F3942E4B}">
+                <a14:imgProps xmlns:a14="http://schemas.microsoft.com/office/drawing/2010/main">
+                  <a14:imgLayer r:embed="rId5">
+                    <a14:imgEffect>
+                      <a14:sharpenSoften amount="-100000"/>
+                    </a14:imgEffect>
+                  </a14:imgLayer>
+                </a14:imgProps>
+              </a:ext>
+              <a:ext uri="{28A0092B-C50C-407E-A947-70E740481C1C}">
+                <a14:useLocalDpi xmlns:a14="http://schemas.microsoft.com/office/drawing/2010/main" val="0"/>
+              </a:ext>
+            </a:extLst>
+          </a:blip>
+          <a:srcRect/>
+          <a:stretch>
+            <a:fillRect/>
+          </a:stretch>
+        </p:blipFill>
+        <p:spPr bwMode="auto">
+          <a:xfrm>
+            <a:off x="7225056" y="310164"/>
+            <a:ext cx="3298911" cy="1895826"/>
+          </a:xfrm>
+          <a:prstGeom prst="rect">
+            <a:avLst/>
+          </a:prstGeom>
+          <a:noFill/>
+          <a:ln>
+            <a:noFill/>
+          </a:ln>
+          <a:effectLst>
+            <a:glow rad="508000">
+              <a:schemeClr val="accent1">
+                <a:alpha val="0"/>
+              </a:schemeClr>
+            </a:glow>
+            <a:softEdge rad="190500"/>
+          </a:effectLst>
+          <a:extLst>
+            <a:ext uri="{909E8E84-426E-40DD-AFC4-6F175D3DCCD1}">
+              <a14:hiddenFill xmlns:a14="http://schemas.microsoft.com/office/drawing/2010/main">
+                <a:solidFill>
+                  <a:schemeClr val="accent1"/>
+                </a:solidFill>
+              </a14:hiddenFill>
+            </a:ext>
+            <a:ext uri="{91240B29-F687-4F45-9708-019B960494DF}">
+              <a14:hiddenLine xmlns:a14="http://schemas.microsoft.com/office/drawing/2010/main" w="9525">
+                <a:solidFill>
+                  <a:schemeClr val="tx1"/>
+                </a:solidFill>
+                <a:miter lim="800000"/>
+                <a:headEnd/>
+                <a:tailEnd/>
+              </a14:hiddenLine>
+            </a:ext>
+          </a:extLst>
+        </p:spPr>
+      </p:pic>
     </p:spTree>
     <p:extLst>
       <p:ext uri="{BB962C8B-B14F-4D97-AF65-F5344CB8AC3E}">
         <p14:creationId xmlns:p14="http://schemas.microsoft.com/office/powerpoint/2010/main" val="1269399476"/>
+      </p:ext>
+    </p:extLst>
+  </p:cSld>
+  <p:clrMapOvr>
+    <a:masterClrMapping/>
+  </p:clrMapOvr>
+  <p:timing>
+    <p:tnLst>
+      <p:par>
+        <p:cTn id="1" dur="indefinite" restart="never" nodeType="tmRoot">
+          <p:childTnLst>
+            <p:seq concurrent="1" nextAc="seek">
+              <p:cTn id="2" dur="indefinite" nodeType="mainSeq">
+                <p:childTnLst>
+                  <p:par>
+                    <p:cTn id="3" fill="hold">
+                      <p:stCondLst>
+                        <p:cond delay="indefinite"/>
+                        <p:cond evt="onBegin" delay="0">
+                          <p:tn val="2"/>
+                        </p:cond>
+                      </p:stCondLst>
+                      <p:childTnLst>
+                        <p:par>
+                          <p:cTn id="4" fill="hold">
+                            <p:stCondLst>
+                              <p:cond delay="0"/>
+                            </p:stCondLst>
+                            <p:childTnLst>
+                              <p:par>
+                                <p:cTn id="5" presetID="26" presetClass="entr" presetSubtype="0" fill="hold" nodeType="withEffect">
+                                  <p:stCondLst>
+                                    <p:cond delay="0"/>
+                                  </p:stCondLst>
+                                  <p:childTnLst>
+                                    <p:set>
+                                      <p:cBhvr>
+                                        <p:cTn id="6" dur="1" fill="hold">
+                                          <p:stCondLst>
+                                            <p:cond delay="0"/>
+                                          </p:stCondLst>
+                                        </p:cTn>
+                                        <p:tgtEl>
+                                          <p:spTgt spid="3"/>
+                                        </p:tgtEl>
+                                        <p:attrNameLst>
+                                          <p:attrName>style.visibility</p:attrName>
+                                        </p:attrNameLst>
+                                      </p:cBhvr>
+                                      <p:to>
+                                        <p:strVal val="visible"/>
+                                      </p:to>
+                                    </p:set>
+                                    <p:animEffect transition="in" filter="wipe(down)">
+                                      <p:cBhvr>
+                                        <p:cTn id="7" dur="580">
+                                          <p:stCondLst>
+                                            <p:cond delay="0"/>
+                                          </p:stCondLst>
+                                        </p:cTn>
+                                        <p:tgtEl>
+                                          <p:spTgt spid="3"/>
+                                        </p:tgtEl>
+                                      </p:cBhvr>
+                                    </p:animEffect>
+                                    <p:anim calcmode="lin" valueType="num">
+                                      <p:cBhvr>
+                                        <p:cTn id="8" dur="1822" tmFilter="0,0; 0.14,0.36; 0.43,0.73; 0.71,0.91; 1.0,1.0">
+                                          <p:stCondLst>
+                                            <p:cond delay="0"/>
+                                          </p:stCondLst>
+                                        </p:cTn>
+                                        <p:tgtEl>
+                                          <p:spTgt spid="3"/>
+                                        </p:tgtEl>
+                                        <p:attrNameLst>
+                                          <p:attrName>ppt_x</p:attrName>
+                                        </p:attrNameLst>
+                                      </p:cBhvr>
+                                      <p:tavLst>
+                                        <p:tav tm="0">
+                                          <p:val>
+                                            <p:strVal val="#ppt_x-0.25"/>
+                                          </p:val>
+                                        </p:tav>
+                                        <p:tav tm="100000">
+                                          <p:val>
+                                            <p:strVal val="#ppt_x"/>
+                                          </p:val>
+                                        </p:tav>
+                                      </p:tavLst>
+                                    </p:anim>
+                                    <p:anim calcmode="lin" valueType="num">
+                                      <p:cBhvr>
+                                        <p:cTn id="9" dur="664" tmFilter="0.0,0.0; 0.25,0.07; 0.50,0.2; 0.75,0.467; 1.0,1.0">
+                                          <p:stCondLst>
+                                            <p:cond delay="0"/>
+                                          </p:stCondLst>
+                                        </p:cTn>
+                                        <p:tgtEl>
+                                          <p:spTgt spid="3"/>
+                                        </p:tgtEl>
+                                        <p:attrNameLst>
+                                          <p:attrName>ppt_y</p:attrName>
+                                        </p:attrNameLst>
+                                      </p:cBhvr>
+                                      <p:tavLst>
+                                        <p:tav tm="0" fmla="#ppt_y-sin(pi*$)/3">
+                                          <p:val>
+                                            <p:fltVal val="0.5"/>
+                                          </p:val>
+                                        </p:tav>
+                                        <p:tav tm="100000">
+                                          <p:val>
+                                            <p:fltVal val="1"/>
+                                          </p:val>
+                                        </p:tav>
+                                      </p:tavLst>
+                                    </p:anim>
+                                    <p:anim calcmode="lin" valueType="num">
+                                      <p:cBhvr>
+                                        <p:cTn id="10" dur="664" tmFilter="0, 0; 0.125,0.2665; 0.25,0.4; 0.375,0.465; 0.5,0.5;  0.625,0.535; 0.75,0.6; 0.875,0.7335; 1,1">
+                                          <p:stCondLst>
+                                            <p:cond delay="664"/>
+                                          </p:stCondLst>
+                                        </p:cTn>
+                                        <p:tgtEl>
+                                          <p:spTgt spid="3"/>
+                                        </p:tgtEl>
+                                        <p:attrNameLst>
+                                          <p:attrName>ppt_y</p:attrName>
+                                        </p:attrNameLst>
+                                      </p:cBhvr>
+                                      <p:tavLst>
+                                        <p:tav tm="0" fmla="#ppt_y-sin(pi*$)/9">
+                                          <p:val>
+                                            <p:fltVal val="0"/>
+                                          </p:val>
+                                        </p:tav>
+                                        <p:tav tm="100000">
+                                          <p:val>
+                                            <p:fltVal val="1"/>
+                                          </p:val>
+                                        </p:tav>
+                                      </p:tavLst>
+                                    </p:anim>
+                                    <p:anim calcmode="lin" valueType="num">
+                                      <p:cBhvr>
+                                        <p:cTn id="11" dur="332" tmFilter="0, 0; 0.125,0.2665; 0.25,0.4; 0.375,0.465; 0.5,0.5;  0.625,0.535; 0.75,0.6; 0.875,0.7335; 1,1">
+                                          <p:stCondLst>
+                                            <p:cond delay="1324"/>
+                                          </p:stCondLst>
+                                        </p:cTn>
+                                        <p:tgtEl>
+                                          <p:spTgt spid="3"/>
+                                        </p:tgtEl>
+                                        <p:attrNameLst>
+                                          <p:attrName>ppt_y</p:attrName>
+                                        </p:attrNameLst>
+                                      </p:cBhvr>
+                                      <p:tavLst>
+                                        <p:tav tm="0" fmla="#ppt_y-sin(pi*$)/27">
+                                          <p:val>
+                                            <p:fltVal val="0"/>
+                                          </p:val>
+                                        </p:tav>
+                                        <p:tav tm="100000">
+                                          <p:val>
+                                            <p:fltVal val="1"/>
+                                          </p:val>
+                                        </p:tav>
+                                      </p:tavLst>
+                                    </p:anim>
+                                    <p:anim calcmode="lin" valueType="num">
+                                      <p:cBhvr>
+                                        <p:cTn id="12" dur="164" tmFilter="0, 0; 0.125,0.2665; 0.25,0.4; 0.375,0.465; 0.5,0.5;  0.625,0.535; 0.75,0.6; 0.875,0.7335; 1,1">
+                                          <p:stCondLst>
+                                            <p:cond delay="1656"/>
+                                          </p:stCondLst>
+                                        </p:cTn>
+                                        <p:tgtEl>
+                                          <p:spTgt spid="3"/>
+                                        </p:tgtEl>
+                                        <p:attrNameLst>
+                                          <p:attrName>ppt_y</p:attrName>
+                                        </p:attrNameLst>
+                                      </p:cBhvr>
+                                      <p:tavLst>
+                                        <p:tav tm="0" fmla="#ppt_y-sin(pi*$)/81">
+                                          <p:val>
+                                            <p:fltVal val="0"/>
+                                          </p:val>
+                                        </p:tav>
+                                        <p:tav tm="100000">
+                                          <p:val>
+                                            <p:fltVal val="1"/>
+                                          </p:val>
+                                        </p:tav>
+                                      </p:tavLst>
+                                    </p:anim>
+                                    <p:animScale>
+                                      <p:cBhvr>
+                                        <p:cTn id="13" dur="26">
+                                          <p:stCondLst>
+                                            <p:cond delay="650"/>
+                                          </p:stCondLst>
+                                        </p:cTn>
+                                        <p:tgtEl>
+                                          <p:spTgt spid="3"/>
+                                        </p:tgtEl>
+                                      </p:cBhvr>
+                                      <p:to x="100000" y="60000"/>
+                                    </p:animScale>
+                                    <p:animScale>
+                                      <p:cBhvr>
+                                        <p:cTn id="14" dur="166" decel="50000">
+                                          <p:stCondLst>
+                                            <p:cond delay="676"/>
+                                          </p:stCondLst>
+                                        </p:cTn>
+                                        <p:tgtEl>
+                                          <p:spTgt spid="3"/>
+                                        </p:tgtEl>
+                                      </p:cBhvr>
+                                      <p:to x="100000" y="100000"/>
+                                    </p:animScale>
+                                    <p:animScale>
+                                      <p:cBhvr>
+                                        <p:cTn id="15" dur="26">
+                                          <p:stCondLst>
+                                            <p:cond delay="1312"/>
+                                          </p:stCondLst>
+                                        </p:cTn>
+                                        <p:tgtEl>
+                                          <p:spTgt spid="3"/>
+                                        </p:tgtEl>
+                                      </p:cBhvr>
+                                      <p:to x="100000" y="80000"/>
+                                    </p:animScale>
+                                    <p:animScale>
+                                      <p:cBhvr>
+                                        <p:cTn id="16" dur="166" decel="50000">
+                                          <p:stCondLst>
+                                            <p:cond delay="1338"/>
+                                          </p:stCondLst>
+                                        </p:cTn>
+                                        <p:tgtEl>
+                                          <p:spTgt spid="3"/>
+                                        </p:tgtEl>
+                                      </p:cBhvr>
+                                      <p:to x="100000" y="100000"/>
+                                    </p:animScale>
+                                    <p:animScale>
+                                      <p:cBhvr>
+                                        <p:cTn id="17" dur="26">
+                                          <p:stCondLst>
+                                            <p:cond delay="1642"/>
+                                          </p:stCondLst>
+                                        </p:cTn>
+                                        <p:tgtEl>
+                                          <p:spTgt spid="3"/>
+                                        </p:tgtEl>
+                                      </p:cBhvr>
+                                      <p:to x="100000" y="90000"/>
+                                    </p:animScale>
+                                    <p:animScale>
+                                      <p:cBhvr>
+                                        <p:cTn id="18" dur="166" decel="50000">
+                                          <p:stCondLst>
+                                            <p:cond delay="1668"/>
+                                          </p:stCondLst>
+                                        </p:cTn>
+                                        <p:tgtEl>
+                                          <p:spTgt spid="3"/>
+                                        </p:tgtEl>
+                                      </p:cBhvr>
+                                      <p:to x="100000" y="100000"/>
+                                    </p:animScale>
+                                    <p:animScale>
+                                      <p:cBhvr>
+                                        <p:cTn id="19" dur="26">
+                                          <p:stCondLst>
+                                            <p:cond delay="1808"/>
+                                          </p:stCondLst>
+                                        </p:cTn>
+                                        <p:tgtEl>
+                                          <p:spTgt spid="3"/>
+                                        </p:tgtEl>
+                                      </p:cBhvr>
+                                      <p:to x="100000" y="95000"/>
+                                    </p:animScale>
+                                    <p:animScale>
+                                      <p:cBhvr>
+                                        <p:cTn id="20" dur="166" decel="50000">
+                                          <p:stCondLst>
+                                            <p:cond delay="1834"/>
+                                          </p:stCondLst>
+                                        </p:cTn>
+                                        <p:tgtEl>
+                                          <p:spTgt spid="3"/>
+                                        </p:tgtEl>
+                                      </p:cBhvr>
+                                      <p:to x="100000" y="100000"/>
+                                    </p:animScale>
+                                  </p:childTnLst>
+                                </p:cTn>
+                              </p:par>
+                            </p:childTnLst>
+                          </p:cTn>
+                        </p:par>
+                      </p:childTnLst>
+                    </p:cTn>
+                  </p:par>
+                </p:childTnLst>
+              </p:cTn>
+              <p:prevCondLst>
+                <p:cond evt="onPrev" delay="0">
+                  <p:tgtEl>
+                    <p:sldTgt/>
+                  </p:tgtEl>
+                </p:cond>
+              </p:prevCondLst>
+              <p:nextCondLst>
+                <p:cond evt="onNext" delay="0">
+                  <p:tgtEl>
+                    <p:sldTgt/>
+                  </p:tgtEl>
+                </p:cond>
+              </p:nextCondLst>
+            </p:seq>
+          </p:childTnLst>
+        </p:cTn>
+      </p:par>
+    </p:tnLst>
+  </p:timing>
+</p:sld>
+</file>
+
+<file path=ppt/slides/slide8.xml><?xml version="1.0" encoding="utf-8"?>
+<p:sld xmlns:a="http://schemas.openxmlformats.org/drawingml/2006/main" xmlns:r="http://schemas.openxmlformats.org/officeDocument/2006/relationships" xmlns:p="http://schemas.openxmlformats.org/presentationml/2006/main">
+  <p:cSld>
+    <p:spTree>
+      <p:nvGrpSpPr>
+        <p:cNvPr id="1" name=""/>
+        <p:cNvGrpSpPr/>
+        <p:nvPr/>
+      </p:nvGrpSpPr>
+      <p:grpSpPr>
+        <a:xfrm>
+          <a:off x="0" y="0"/>
+          <a:ext cx="0" cy="0"/>
+          <a:chOff x="0" y="0"/>
+          <a:chExt cx="0" cy="0"/>
+        </a:xfrm>
+      </p:grpSpPr>
+      <p:sp>
+        <p:nvSpPr>
+          <p:cNvPr id="2" name="內容版面配置區 10">
+            <a:extLst>
+              <a:ext uri="{FF2B5EF4-FFF2-40B4-BE49-F238E27FC236}">
+                <a16:creationId xmlns:a16="http://schemas.microsoft.com/office/drawing/2014/main" id="{6C91D229-ECD3-41C8-B21C-8D2A116E740D}"/>
+              </a:ext>
+            </a:extLst>
+          </p:cNvPr>
+          <p:cNvSpPr txBox="1">
+            <a:spLocks/>
+          </p:cNvSpPr>
+          <p:nvPr/>
+        </p:nvSpPr>
+        <p:spPr>
+          <a:xfrm>
+            <a:off x="838200" y="1306286"/>
+            <a:ext cx="10515600" cy="4870677"/>
+          </a:xfrm>
+          <a:prstGeom prst="rect">
+            <a:avLst/>
+          </a:prstGeom>
+        </p:spPr>
+        <p:txBody>
+          <a:bodyPr/>
+          <a:lstStyle>
+            <a:lvl1pPr marL="228600" indent="-228600" algn="l" defTabSz="914400" rtl="0" eaLnBrk="1" latinLnBrk="0" hangingPunct="1">
+              <a:lnSpc>
+                <a:spcPct val="90000"/>
+              </a:lnSpc>
+              <a:spcBef>
+                <a:spcPts val="1000"/>
+              </a:spcBef>
+              <a:buFont typeface="Arial" panose="020B0604020202020204" pitchFamily="34" charset="0"/>
+              <a:buChar char="•"/>
+              <a:defRPr sz="2800" kern="1200">
+                <a:solidFill>
+                  <a:schemeClr val="tx1"/>
+                </a:solidFill>
+                <a:latin typeface="+mn-lt"/>
+                <a:ea typeface="+mn-ea"/>
+                <a:cs typeface="+mn-cs"/>
+              </a:defRPr>
+            </a:lvl1pPr>
+            <a:lvl2pPr marL="685800" indent="-228600" algn="l" defTabSz="914400" rtl="0" eaLnBrk="1" latinLnBrk="0" hangingPunct="1">
+              <a:lnSpc>
+                <a:spcPct val="90000"/>
+              </a:lnSpc>
+              <a:spcBef>
+                <a:spcPts val="500"/>
+              </a:spcBef>
+              <a:buFont typeface="Arial" panose="020B0604020202020204" pitchFamily="34" charset="0"/>
+              <a:buChar char="•"/>
+              <a:defRPr sz="2400" kern="1200">
+                <a:solidFill>
+                  <a:schemeClr val="tx1"/>
+                </a:solidFill>
+                <a:latin typeface="+mn-lt"/>
+                <a:ea typeface="+mn-ea"/>
+                <a:cs typeface="+mn-cs"/>
+              </a:defRPr>
+            </a:lvl2pPr>
+            <a:lvl3pPr marL="1143000" indent="-228600" algn="l" defTabSz="914400" rtl="0" eaLnBrk="1" latinLnBrk="0" hangingPunct="1">
+              <a:lnSpc>
+                <a:spcPct val="90000"/>
+              </a:lnSpc>
+              <a:spcBef>
+                <a:spcPts val="500"/>
+              </a:spcBef>
+              <a:buFont typeface="Arial" panose="020B0604020202020204" pitchFamily="34" charset="0"/>
+              <a:buChar char="•"/>
+              <a:defRPr sz="2000" kern="1200">
+                <a:solidFill>
+                  <a:schemeClr val="tx1"/>
+                </a:solidFill>
+                <a:latin typeface="+mn-lt"/>
+                <a:ea typeface="+mn-ea"/>
+                <a:cs typeface="+mn-cs"/>
+              </a:defRPr>
+            </a:lvl3pPr>
+            <a:lvl4pPr marL="1600200" indent="-228600" algn="l" defTabSz="914400" rtl="0" eaLnBrk="1" latinLnBrk="0" hangingPunct="1">
+              <a:lnSpc>
+                <a:spcPct val="90000"/>
+              </a:lnSpc>
+              <a:spcBef>
+                <a:spcPts val="500"/>
+              </a:spcBef>
+              <a:buFont typeface="Arial" panose="020B0604020202020204" pitchFamily="34" charset="0"/>
+              <a:buChar char="•"/>
+              <a:defRPr sz="1800" kern="1200">
+                <a:solidFill>
+                  <a:schemeClr val="tx1"/>
+                </a:solidFill>
+                <a:latin typeface="+mn-lt"/>
+                <a:ea typeface="+mn-ea"/>
+                <a:cs typeface="+mn-cs"/>
+              </a:defRPr>
+            </a:lvl4pPr>
+            <a:lvl5pPr marL="2057400" indent="-228600" algn="l" defTabSz="914400" rtl="0" eaLnBrk="1" latinLnBrk="0" hangingPunct="1">
+              <a:lnSpc>
+                <a:spcPct val="90000"/>
+              </a:lnSpc>
+              <a:spcBef>
+                <a:spcPts val="500"/>
+              </a:spcBef>
+              <a:buFont typeface="Arial" panose="020B0604020202020204" pitchFamily="34" charset="0"/>
+              <a:buChar char="•"/>
+              <a:defRPr sz="1800" kern="1200">
+                <a:solidFill>
+                  <a:schemeClr val="tx1"/>
+                </a:solidFill>
+                <a:latin typeface="+mn-lt"/>
+                <a:ea typeface="+mn-ea"/>
+                <a:cs typeface="+mn-cs"/>
+              </a:defRPr>
+            </a:lvl5pPr>
+            <a:lvl6pPr marL="2514600" indent="-228600" algn="l" defTabSz="914400" rtl="0" eaLnBrk="1" latinLnBrk="0" hangingPunct="1">
+              <a:lnSpc>
+                <a:spcPct val="90000"/>
+              </a:lnSpc>
+              <a:spcBef>
+                <a:spcPts val="500"/>
+              </a:spcBef>
+              <a:buFont typeface="Arial" panose="020B0604020202020204" pitchFamily="34" charset="0"/>
+              <a:buChar char="•"/>
+              <a:defRPr sz="1800" kern="1200">
+                <a:solidFill>
+                  <a:schemeClr val="tx1"/>
+                </a:solidFill>
+                <a:latin typeface="+mn-lt"/>
+                <a:ea typeface="+mn-ea"/>
+                <a:cs typeface="+mn-cs"/>
+              </a:defRPr>
+            </a:lvl6pPr>
+            <a:lvl7pPr marL="2971800" indent="-228600" algn="l" defTabSz="914400" rtl="0" eaLnBrk="1" latinLnBrk="0" hangingPunct="1">
+              <a:lnSpc>
+                <a:spcPct val="90000"/>
+              </a:lnSpc>
+              <a:spcBef>
+                <a:spcPts val="500"/>
+              </a:spcBef>
+              <a:buFont typeface="Arial" panose="020B0604020202020204" pitchFamily="34" charset="0"/>
+              <a:buChar char="•"/>
+              <a:defRPr sz="1800" kern="1200">
+                <a:solidFill>
+                  <a:schemeClr val="tx1"/>
+                </a:solidFill>
+                <a:latin typeface="+mn-lt"/>
+                <a:ea typeface="+mn-ea"/>
+                <a:cs typeface="+mn-cs"/>
+              </a:defRPr>
+            </a:lvl7pPr>
+            <a:lvl8pPr marL="3429000" indent="-228600" algn="l" defTabSz="914400" rtl="0" eaLnBrk="1" latinLnBrk="0" hangingPunct="1">
+              <a:lnSpc>
+                <a:spcPct val="90000"/>
+              </a:lnSpc>
+              <a:spcBef>
+                <a:spcPts val="500"/>
+              </a:spcBef>
+              <a:buFont typeface="Arial" panose="020B0604020202020204" pitchFamily="34" charset="0"/>
+              <a:buChar char="•"/>
+              <a:defRPr sz="1800" kern="1200">
+                <a:solidFill>
+                  <a:schemeClr val="tx1"/>
+                </a:solidFill>
+                <a:latin typeface="+mn-lt"/>
+                <a:ea typeface="+mn-ea"/>
+                <a:cs typeface="+mn-cs"/>
+              </a:defRPr>
+            </a:lvl8pPr>
+            <a:lvl9pPr marL="3886200" indent="-228600" algn="l" defTabSz="914400" rtl="0" eaLnBrk="1" latinLnBrk="0" hangingPunct="1">
+              <a:lnSpc>
+                <a:spcPct val="90000"/>
+              </a:lnSpc>
+              <a:spcBef>
+                <a:spcPts val="500"/>
+              </a:spcBef>
+              <a:buFont typeface="Arial" panose="020B0604020202020204" pitchFamily="34" charset="0"/>
+              <a:buChar char="•"/>
+              <a:defRPr sz="1800" kern="1200">
+                <a:solidFill>
+                  <a:schemeClr val="tx1"/>
+                </a:solidFill>
+                <a:latin typeface="+mn-lt"/>
+                <a:ea typeface="+mn-ea"/>
+                <a:cs typeface="+mn-cs"/>
+              </a:defRPr>
+            </a:lvl9pPr>
+          </a:lstStyle>
+          <a:p>
+            <a:pPr marL="449263" indent="-449263">
+              <a:buSzPct val="130000"/>
+              <a:buFont typeface="Arial" panose="020B0604020202020204" pitchFamily="34" charset="0"/>
+              <a:buBlip>
+                <a:blip r:embed="rId2">
+                  <a:extLst>
+                    <a:ext uri="{96DAC541-7B7A-43D3-8B79-37D633B846F1}">
+                      <asvg:svgBlip xmlns:asvg="http://schemas.microsoft.com/office/drawing/2016/SVG/main" r:embed="rId3"/>
+                    </a:ext>
+                  </a:extLst>
+                </a:blip>
+              </a:buBlip>
+            </a:pPr>
+            <a:r>
+              <a:rPr lang="en-US" altLang="zh-TW" sz="3200">
+                <a:solidFill>
+                  <a:schemeClr val="accent5">
+                    <a:lumMod val="75000"/>
+                  </a:schemeClr>
+                </a:solidFill>
+                <a:latin typeface="Roboto"/>
+              </a:rPr>
+              <a:t>Ensure program management quality</a:t>
+            </a:r>
+          </a:p>
+          <a:p>
+            <a:pPr marL="449263" indent="-449263">
+              <a:buSzPct val="130000"/>
+              <a:buFont typeface="Arial" panose="020B0604020202020204" pitchFamily="34" charset="0"/>
+              <a:buBlip>
+                <a:blip r:embed="rId2">
+                  <a:extLst>
+                    <a:ext uri="{96DAC541-7B7A-43D3-8B79-37D633B846F1}">
+                      <asvg:svgBlip xmlns:asvg="http://schemas.microsoft.com/office/drawing/2016/SVG/main" r:embed="rId3"/>
+                    </a:ext>
+                  </a:extLst>
+                </a:blip>
+              </a:buBlip>
+            </a:pPr>
+            <a:r>
+              <a:rPr lang="en-US" altLang="zh-TW" sz="3200">
+                <a:solidFill>
+                  <a:schemeClr val="accent5">
+                    <a:lumMod val="75000"/>
+                  </a:schemeClr>
+                </a:solidFill>
+                <a:latin typeface="Roboto"/>
+              </a:rPr>
+              <a:t>Reduce maintenance and learning costs</a:t>
+            </a:r>
+          </a:p>
+          <a:p>
+            <a:pPr marL="449263" indent="-449263">
+              <a:buSzPct val="130000"/>
+              <a:buFont typeface="Arial" panose="020B0604020202020204" pitchFamily="34" charset="0"/>
+              <a:buBlip>
+                <a:blip r:embed="rId2">
+                  <a:extLst>
+                    <a:ext uri="{96DAC541-7B7A-43D3-8B79-37D633B846F1}">
+                      <asvg:svgBlip xmlns:asvg="http://schemas.microsoft.com/office/drawing/2016/SVG/main" r:embed="rId3"/>
+                    </a:ext>
+                  </a:extLst>
+                </a:blip>
+              </a:buBlip>
+            </a:pPr>
+            <a:r>
+              <a:rPr lang="en-US" altLang="zh-TW" sz="3200">
+                <a:solidFill>
+                  <a:schemeClr val="accent5">
+                    <a:lumMod val="75000"/>
+                  </a:schemeClr>
+                </a:solidFill>
+                <a:latin typeface="Roboto"/>
+              </a:rPr>
+              <a:t>Increase development efficiency and customization flexibility</a:t>
+            </a:r>
+          </a:p>
+          <a:p>
+            <a:pPr lvl="8"/>
+            <a:endParaRPr lang="zh-TW" altLang="en-US" dirty="0"/>
+          </a:p>
+        </p:txBody>
+      </p:sp>
+      <p:sp>
+        <p:nvSpPr>
+          <p:cNvPr id="3" name="標題 3">
+            <a:extLst>
+              <a:ext uri="{FF2B5EF4-FFF2-40B4-BE49-F238E27FC236}">
+                <a16:creationId xmlns:a16="http://schemas.microsoft.com/office/drawing/2014/main" id="{4B85F435-3EA7-466D-BDB7-10CE0D886BEE}"/>
+              </a:ext>
+            </a:extLst>
+          </p:cNvPr>
+          <p:cNvSpPr txBox="1">
+            <a:spLocks/>
+          </p:cNvSpPr>
+          <p:nvPr/>
+        </p:nvSpPr>
+        <p:spPr>
+          <a:xfrm>
+            <a:off x="319314" y="365125"/>
+            <a:ext cx="11034486" cy="941161"/>
+          </a:xfrm>
+          <a:prstGeom prst="rect">
+            <a:avLst/>
+          </a:prstGeom>
+        </p:spPr>
+        <p:txBody>
+          <a:bodyPr>
+            <a:normAutofit/>
+          </a:bodyPr>
+          <a:lstStyle>
+            <a:lvl1pPr algn="l" defTabSz="914400" rtl="0" eaLnBrk="1" latinLnBrk="0" hangingPunct="1">
+              <a:lnSpc>
+                <a:spcPct val="90000"/>
+              </a:lnSpc>
+              <a:spcBef>
+                <a:spcPct val="0"/>
+              </a:spcBef>
+              <a:buNone/>
+              <a:defRPr sz="4400" kern="1200">
+                <a:solidFill>
+                  <a:schemeClr val="tx1"/>
+                </a:solidFill>
+                <a:latin typeface="+mj-lt"/>
+                <a:ea typeface="+mj-ea"/>
+                <a:cs typeface="+mj-cs"/>
+              </a:defRPr>
+            </a:lvl1pPr>
+          </a:lstStyle>
+          <a:p>
+            <a:r>
+              <a:rPr lang="en-US" altLang="zh-TW" sz="4000"/>
+              <a:t>6.</a:t>
+            </a:r>
+            <a:r>
+              <a:rPr lang="zh-TW" altLang="zh-TW" sz="4000"/>
+              <a:t> Product Delivery Methodology and Quality Control</a:t>
+            </a:r>
+            <a:endParaRPr lang="zh-TW" altLang="en-US" sz="4000" dirty="0"/>
+          </a:p>
+        </p:txBody>
+      </p:sp>
+      <p:sp>
+        <p:nvSpPr>
+          <p:cNvPr id="4" name="箭號: ＞形 22">
+            <a:extLst>
+              <a:ext uri="{FF2B5EF4-FFF2-40B4-BE49-F238E27FC236}">
+                <a16:creationId xmlns:a16="http://schemas.microsoft.com/office/drawing/2014/main" id="{4F54FCBE-4D43-467C-9D9A-E44F2732632D}"/>
+              </a:ext>
+            </a:extLst>
+          </p:cNvPr>
+          <p:cNvSpPr/>
+          <p:nvPr/>
+        </p:nvSpPr>
+        <p:spPr>
+          <a:xfrm>
+            <a:off x="838200" y="3982471"/>
+            <a:ext cx="3543903" cy="2194491"/>
+          </a:xfrm>
+          <a:custGeom>
+            <a:avLst/>
+            <a:gdLst>
+              <a:gd name="connsiteX0" fmla="*/ 0 w 2330450"/>
+              <a:gd name="connsiteY0" fmla="*/ 0 h 1246414"/>
+              <a:gd name="connsiteX1" fmla="*/ 1707243 w 2330450"/>
+              <a:gd name="connsiteY1" fmla="*/ 0 h 1246414"/>
+              <a:gd name="connsiteX2" fmla="*/ 2330450 w 2330450"/>
+              <a:gd name="connsiteY2" fmla="*/ 623207 h 1246414"/>
+              <a:gd name="connsiteX3" fmla="*/ 1707243 w 2330450"/>
+              <a:gd name="connsiteY3" fmla="*/ 1246414 h 1246414"/>
+              <a:gd name="connsiteX4" fmla="*/ 0 w 2330450"/>
+              <a:gd name="connsiteY4" fmla="*/ 1246414 h 1246414"/>
+              <a:gd name="connsiteX5" fmla="*/ 623207 w 2330450"/>
+              <a:gd name="connsiteY5" fmla="*/ 623207 h 1246414"/>
+              <a:gd name="connsiteX6" fmla="*/ 0 w 2330450"/>
+              <a:gd name="connsiteY6" fmla="*/ 0 h 1246414"/>
+              <a:gd name="connsiteX0" fmla="*/ 0 w 2330450"/>
+              <a:gd name="connsiteY0" fmla="*/ 0 h 1246414"/>
+              <a:gd name="connsiteX1" fmla="*/ 1707243 w 2330450"/>
+              <a:gd name="connsiteY1" fmla="*/ 0 h 1246414"/>
+              <a:gd name="connsiteX2" fmla="*/ 2330450 w 2330450"/>
+              <a:gd name="connsiteY2" fmla="*/ 623207 h 1246414"/>
+              <a:gd name="connsiteX3" fmla="*/ 1707243 w 2330450"/>
+              <a:gd name="connsiteY3" fmla="*/ 1246414 h 1246414"/>
+              <a:gd name="connsiteX4" fmla="*/ 0 w 2330450"/>
+              <a:gd name="connsiteY4" fmla="*/ 1246414 h 1246414"/>
+              <a:gd name="connsiteX5" fmla="*/ 146957 w 2330450"/>
+              <a:gd name="connsiteY5" fmla="*/ 616857 h 1246414"/>
+              <a:gd name="connsiteX6" fmla="*/ 0 w 2330450"/>
+              <a:gd name="connsiteY6" fmla="*/ 0 h 1246414"/>
+              <a:gd name="connsiteX0" fmla="*/ 0 w 1828800"/>
+              <a:gd name="connsiteY0" fmla="*/ 0 h 1246414"/>
+              <a:gd name="connsiteX1" fmla="*/ 1707243 w 1828800"/>
+              <a:gd name="connsiteY1" fmla="*/ 0 h 1246414"/>
+              <a:gd name="connsiteX2" fmla="*/ 1828800 w 1828800"/>
+              <a:gd name="connsiteY2" fmla="*/ 559707 h 1246414"/>
+              <a:gd name="connsiteX3" fmla="*/ 1707243 w 1828800"/>
+              <a:gd name="connsiteY3" fmla="*/ 1246414 h 1246414"/>
+              <a:gd name="connsiteX4" fmla="*/ 0 w 1828800"/>
+              <a:gd name="connsiteY4" fmla="*/ 1246414 h 1246414"/>
+              <a:gd name="connsiteX5" fmla="*/ 146957 w 1828800"/>
+              <a:gd name="connsiteY5" fmla="*/ 616857 h 1246414"/>
+              <a:gd name="connsiteX6" fmla="*/ 0 w 1828800"/>
+              <a:gd name="connsiteY6" fmla="*/ 0 h 1246414"/>
+              <a:gd name="connsiteX0" fmla="*/ 0 w 1866900"/>
+              <a:gd name="connsiteY0" fmla="*/ 0 h 1246414"/>
+              <a:gd name="connsiteX1" fmla="*/ 1707243 w 1866900"/>
+              <a:gd name="connsiteY1" fmla="*/ 0 h 1246414"/>
+              <a:gd name="connsiteX2" fmla="*/ 1866900 w 1866900"/>
+              <a:gd name="connsiteY2" fmla="*/ 610507 h 1246414"/>
+              <a:gd name="connsiteX3" fmla="*/ 1707243 w 1866900"/>
+              <a:gd name="connsiteY3" fmla="*/ 1246414 h 1246414"/>
+              <a:gd name="connsiteX4" fmla="*/ 0 w 1866900"/>
+              <a:gd name="connsiteY4" fmla="*/ 1246414 h 1246414"/>
+              <a:gd name="connsiteX5" fmla="*/ 146957 w 1866900"/>
+              <a:gd name="connsiteY5" fmla="*/ 616857 h 1246414"/>
+              <a:gd name="connsiteX6" fmla="*/ 0 w 1866900"/>
+              <a:gd name="connsiteY6" fmla="*/ 0 h 1246414"/>
+            </a:gdLst>
+            <a:ahLst/>
+            <a:cxnLst>
+              <a:cxn ang="0">
+                <a:pos x="connsiteX0" y="connsiteY0"/>
+              </a:cxn>
+              <a:cxn ang="0">
+                <a:pos x="connsiteX1" y="connsiteY1"/>
+              </a:cxn>
+              <a:cxn ang="0">
+                <a:pos x="connsiteX2" y="connsiteY2"/>
+              </a:cxn>
+              <a:cxn ang="0">
+                <a:pos x="connsiteX3" y="connsiteY3"/>
+              </a:cxn>
+              <a:cxn ang="0">
+                <a:pos x="connsiteX4" y="connsiteY4"/>
+              </a:cxn>
+              <a:cxn ang="0">
+                <a:pos x="connsiteX5" y="connsiteY5"/>
+              </a:cxn>
+              <a:cxn ang="0">
+                <a:pos x="connsiteX6" y="connsiteY6"/>
+              </a:cxn>
+            </a:cxnLst>
+            <a:rect l="l" t="t" r="r" b="b"/>
+            <a:pathLst>
+              <a:path w="1866900" h="1246414">
+                <a:moveTo>
+                  <a:pt x="0" y="0"/>
+                </a:moveTo>
+                <a:lnTo>
+                  <a:pt x="1707243" y="0"/>
+                </a:lnTo>
+                <a:lnTo>
+                  <a:pt x="1866900" y="610507"/>
+                </a:lnTo>
+                <a:lnTo>
+                  <a:pt x="1707243" y="1246414"/>
+                </a:lnTo>
+                <a:lnTo>
+                  <a:pt x="0" y="1246414"/>
+                </a:lnTo>
+                <a:lnTo>
+                  <a:pt x="146957" y="616857"/>
+                </a:lnTo>
+                <a:lnTo>
+                  <a:pt x="0" y="0"/>
+                </a:lnTo>
+                <a:close/>
+              </a:path>
+            </a:pathLst>
+          </a:custGeom>
+          <a:gradFill flip="none" rotWithShape="1">
+            <a:gsLst>
+              <a:gs pos="0">
+                <a:schemeClr val="accent1">
+                  <a:lumMod val="67000"/>
+                </a:schemeClr>
+              </a:gs>
+              <a:gs pos="56000">
+                <a:schemeClr val="accent1">
+                  <a:lumMod val="97000"/>
+                  <a:lumOff val="3000"/>
+                </a:schemeClr>
+              </a:gs>
+              <a:gs pos="81000">
+                <a:schemeClr val="accent1">
+                  <a:lumMod val="60000"/>
+                  <a:lumOff val="40000"/>
+                </a:schemeClr>
+              </a:gs>
+            </a:gsLst>
+            <a:lin ang="3600000" scaled="0"/>
+            <a:tileRect/>
+          </a:gradFill>
+        </p:spPr>
+        <p:style>
+          <a:lnRef idx="2">
+            <a:schemeClr val="accent1">
+              <a:shade val="50000"/>
+            </a:schemeClr>
+          </a:lnRef>
+          <a:fillRef idx="1">
+            <a:schemeClr val="accent1"/>
+          </a:fillRef>
+          <a:effectRef idx="0">
+            <a:schemeClr val="accent1"/>
+          </a:effectRef>
+          <a:fontRef idx="minor">
+            <a:schemeClr val="lt1"/>
+          </a:fontRef>
+        </p:style>
+        <p:txBody>
+          <a:bodyPr rtlCol="0" anchor="t"/>
+          <a:lstStyle/>
+          <a:p>
+            <a:pPr indent="185738"/>
+            <a:r>
+              <a:rPr lang="en-US" altLang="zh-TW" sz="3600" b="1" dirty="0">
+                <a:solidFill>
+                  <a:srgbClr val="FFFF00"/>
+                </a:solidFill>
+              </a:rPr>
+              <a:t>Level 1</a:t>
+            </a:r>
+          </a:p>
+          <a:p>
+            <a:pPr marL="985838" indent="-542925">
+              <a:lnSpc>
+                <a:spcPts val="3360"/>
+              </a:lnSpc>
+            </a:pPr>
+            <a:r>
+              <a:rPr lang="en-US" altLang="zh-TW" sz="2800" dirty="0">
+                <a:solidFill>
+                  <a:schemeClr val="bg1"/>
+                </a:solidFill>
+              </a:rPr>
+              <a:t>- </a:t>
+            </a:r>
+            <a:r>
+              <a:rPr lang="zh-TW" altLang="zh-TW" sz="2800" dirty="0">
+                <a:solidFill>
+                  <a:schemeClr val="bg1"/>
+                </a:solidFill>
+              </a:rPr>
+              <a:t>Version control software</a:t>
+            </a:r>
+          </a:p>
+          <a:p>
+            <a:pPr marL="985838" indent="-542925">
+              <a:lnSpc>
+                <a:spcPts val="3360"/>
+              </a:lnSpc>
+            </a:pPr>
+            <a:r>
+              <a:rPr lang="en-US" altLang="zh-TW" sz="2800" dirty="0">
+                <a:solidFill>
+                  <a:schemeClr val="bg1"/>
+                </a:solidFill>
+              </a:rPr>
+              <a:t>- </a:t>
+            </a:r>
+            <a:r>
+              <a:rPr lang="zh-TW" altLang="zh-TW" sz="2800" dirty="0">
+                <a:solidFill>
+                  <a:schemeClr val="bg1"/>
+                </a:solidFill>
+              </a:rPr>
+              <a:t>Modular</a:t>
+            </a:r>
+          </a:p>
+          <a:p>
+            <a:endParaRPr lang="zh-TW" altLang="en-US" dirty="0">
+              <a:solidFill>
+                <a:schemeClr val="bg1"/>
+              </a:solidFill>
+            </a:endParaRPr>
+          </a:p>
+        </p:txBody>
+      </p:sp>
+      <p:sp>
+        <p:nvSpPr>
+          <p:cNvPr id="5" name="箭號: ＞形 22">
+            <a:extLst>
+              <a:ext uri="{FF2B5EF4-FFF2-40B4-BE49-F238E27FC236}">
+                <a16:creationId xmlns:a16="http://schemas.microsoft.com/office/drawing/2014/main" id="{B42BA44E-0C8D-41FC-8E9C-9D96FF878695}"/>
+              </a:ext>
+            </a:extLst>
+          </p:cNvPr>
+          <p:cNvSpPr/>
+          <p:nvPr/>
+        </p:nvSpPr>
+        <p:spPr>
+          <a:xfrm>
+            <a:off x="4323143" y="3982470"/>
+            <a:ext cx="3543903" cy="2194491"/>
+          </a:xfrm>
+          <a:custGeom>
+            <a:avLst/>
+            <a:gdLst>
+              <a:gd name="connsiteX0" fmla="*/ 0 w 2330450"/>
+              <a:gd name="connsiteY0" fmla="*/ 0 h 1246414"/>
+              <a:gd name="connsiteX1" fmla="*/ 1707243 w 2330450"/>
+              <a:gd name="connsiteY1" fmla="*/ 0 h 1246414"/>
+              <a:gd name="connsiteX2" fmla="*/ 2330450 w 2330450"/>
+              <a:gd name="connsiteY2" fmla="*/ 623207 h 1246414"/>
+              <a:gd name="connsiteX3" fmla="*/ 1707243 w 2330450"/>
+              <a:gd name="connsiteY3" fmla="*/ 1246414 h 1246414"/>
+              <a:gd name="connsiteX4" fmla="*/ 0 w 2330450"/>
+              <a:gd name="connsiteY4" fmla="*/ 1246414 h 1246414"/>
+              <a:gd name="connsiteX5" fmla="*/ 623207 w 2330450"/>
+              <a:gd name="connsiteY5" fmla="*/ 623207 h 1246414"/>
+              <a:gd name="connsiteX6" fmla="*/ 0 w 2330450"/>
+              <a:gd name="connsiteY6" fmla="*/ 0 h 1246414"/>
+              <a:gd name="connsiteX0" fmla="*/ 0 w 2330450"/>
+              <a:gd name="connsiteY0" fmla="*/ 0 h 1246414"/>
+              <a:gd name="connsiteX1" fmla="*/ 1707243 w 2330450"/>
+              <a:gd name="connsiteY1" fmla="*/ 0 h 1246414"/>
+              <a:gd name="connsiteX2" fmla="*/ 2330450 w 2330450"/>
+              <a:gd name="connsiteY2" fmla="*/ 623207 h 1246414"/>
+              <a:gd name="connsiteX3" fmla="*/ 1707243 w 2330450"/>
+              <a:gd name="connsiteY3" fmla="*/ 1246414 h 1246414"/>
+              <a:gd name="connsiteX4" fmla="*/ 0 w 2330450"/>
+              <a:gd name="connsiteY4" fmla="*/ 1246414 h 1246414"/>
+              <a:gd name="connsiteX5" fmla="*/ 146957 w 2330450"/>
+              <a:gd name="connsiteY5" fmla="*/ 616857 h 1246414"/>
+              <a:gd name="connsiteX6" fmla="*/ 0 w 2330450"/>
+              <a:gd name="connsiteY6" fmla="*/ 0 h 1246414"/>
+              <a:gd name="connsiteX0" fmla="*/ 0 w 1828800"/>
+              <a:gd name="connsiteY0" fmla="*/ 0 h 1246414"/>
+              <a:gd name="connsiteX1" fmla="*/ 1707243 w 1828800"/>
+              <a:gd name="connsiteY1" fmla="*/ 0 h 1246414"/>
+              <a:gd name="connsiteX2" fmla="*/ 1828800 w 1828800"/>
+              <a:gd name="connsiteY2" fmla="*/ 559707 h 1246414"/>
+              <a:gd name="connsiteX3" fmla="*/ 1707243 w 1828800"/>
+              <a:gd name="connsiteY3" fmla="*/ 1246414 h 1246414"/>
+              <a:gd name="connsiteX4" fmla="*/ 0 w 1828800"/>
+              <a:gd name="connsiteY4" fmla="*/ 1246414 h 1246414"/>
+              <a:gd name="connsiteX5" fmla="*/ 146957 w 1828800"/>
+              <a:gd name="connsiteY5" fmla="*/ 616857 h 1246414"/>
+              <a:gd name="connsiteX6" fmla="*/ 0 w 1828800"/>
+              <a:gd name="connsiteY6" fmla="*/ 0 h 1246414"/>
+              <a:gd name="connsiteX0" fmla="*/ 0 w 1866900"/>
+              <a:gd name="connsiteY0" fmla="*/ 0 h 1246414"/>
+              <a:gd name="connsiteX1" fmla="*/ 1707243 w 1866900"/>
+              <a:gd name="connsiteY1" fmla="*/ 0 h 1246414"/>
+              <a:gd name="connsiteX2" fmla="*/ 1866900 w 1866900"/>
+              <a:gd name="connsiteY2" fmla="*/ 610507 h 1246414"/>
+              <a:gd name="connsiteX3" fmla="*/ 1707243 w 1866900"/>
+              <a:gd name="connsiteY3" fmla="*/ 1246414 h 1246414"/>
+              <a:gd name="connsiteX4" fmla="*/ 0 w 1866900"/>
+              <a:gd name="connsiteY4" fmla="*/ 1246414 h 1246414"/>
+              <a:gd name="connsiteX5" fmla="*/ 146957 w 1866900"/>
+              <a:gd name="connsiteY5" fmla="*/ 616857 h 1246414"/>
+              <a:gd name="connsiteX6" fmla="*/ 0 w 1866900"/>
+              <a:gd name="connsiteY6" fmla="*/ 0 h 1246414"/>
+            </a:gdLst>
+            <a:ahLst/>
+            <a:cxnLst>
+              <a:cxn ang="0">
+                <a:pos x="connsiteX0" y="connsiteY0"/>
+              </a:cxn>
+              <a:cxn ang="0">
+                <a:pos x="connsiteX1" y="connsiteY1"/>
+              </a:cxn>
+              <a:cxn ang="0">
+                <a:pos x="connsiteX2" y="connsiteY2"/>
+              </a:cxn>
+              <a:cxn ang="0">
+                <a:pos x="connsiteX3" y="connsiteY3"/>
+              </a:cxn>
+              <a:cxn ang="0">
+                <a:pos x="connsiteX4" y="connsiteY4"/>
+              </a:cxn>
+              <a:cxn ang="0">
+                <a:pos x="connsiteX5" y="connsiteY5"/>
+              </a:cxn>
+              <a:cxn ang="0">
+                <a:pos x="connsiteX6" y="connsiteY6"/>
+              </a:cxn>
+            </a:cxnLst>
+            <a:rect l="l" t="t" r="r" b="b"/>
+            <a:pathLst>
+              <a:path w="1866900" h="1246414">
+                <a:moveTo>
+                  <a:pt x="0" y="0"/>
+                </a:moveTo>
+                <a:lnTo>
+                  <a:pt x="1707243" y="0"/>
+                </a:lnTo>
+                <a:lnTo>
+                  <a:pt x="1866900" y="610507"/>
+                </a:lnTo>
+                <a:lnTo>
+                  <a:pt x="1707243" y="1246414"/>
+                </a:lnTo>
+                <a:lnTo>
+                  <a:pt x="0" y="1246414"/>
+                </a:lnTo>
+                <a:lnTo>
+                  <a:pt x="146957" y="616857"/>
+                </a:lnTo>
+                <a:lnTo>
+                  <a:pt x="0" y="0"/>
+                </a:lnTo>
+                <a:close/>
+              </a:path>
+            </a:pathLst>
+          </a:custGeom>
+          <a:gradFill flip="none" rotWithShape="1">
+            <a:gsLst>
+              <a:gs pos="0">
+                <a:schemeClr val="accent1">
+                  <a:lumMod val="67000"/>
+                </a:schemeClr>
+              </a:gs>
+              <a:gs pos="56000">
+                <a:schemeClr val="accent1">
+                  <a:lumMod val="97000"/>
+                  <a:lumOff val="3000"/>
+                </a:schemeClr>
+              </a:gs>
+              <a:gs pos="81000">
+                <a:schemeClr val="accent1">
+                  <a:lumMod val="60000"/>
+                  <a:lumOff val="40000"/>
+                </a:schemeClr>
+              </a:gs>
+            </a:gsLst>
+            <a:lin ang="3600000" scaled="0"/>
+            <a:tileRect/>
+          </a:gradFill>
+        </p:spPr>
+        <p:style>
+          <a:lnRef idx="2">
+            <a:schemeClr val="accent1">
+              <a:shade val="50000"/>
+            </a:schemeClr>
+          </a:lnRef>
+          <a:fillRef idx="1">
+            <a:schemeClr val="accent1"/>
+          </a:fillRef>
+          <a:effectRef idx="0">
+            <a:schemeClr val="accent1"/>
+          </a:effectRef>
+          <a:fontRef idx="minor">
+            <a:schemeClr val="lt1"/>
+          </a:fontRef>
+        </p:style>
+        <p:txBody>
+          <a:bodyPr rtlCol="0" anchor="t"/>
+          <a:lstStyle/>
+          <a:p>
+            <a:pPr indent="185738"/>
+            <a:r>
+              <a:rPr lang="en-US" altLang="zh-TW" sz="3600" b="1" dirty="0">
+                <a:solidFill>
+                  <a:srgbClr val="FFFF00"/>
+                </a:solidFill>
+              </a:rPr>
+              <a:t>Level 2</a:t>
+            </a:r>
+          </a:p>
+          <a:p>
+            <a:pPr marL="985838" indent="-542925">
+              <a:lnSpc>
+                <a:spcPts val="3360"/>
+              </a:lnSpc>
+            </a:pPr>
+            <a:r>
+              <a:rPr lang="en-US" altLang="zh-TW" sz="2800" dirty="0">
+                <a:solidFill>
+                  <a:schemeClr val="bg1"/>
+                </a:solidFill>
+              </a:rPr>
+              <a:t>- </a:t>
+            </a:r>
+            <a:r>
+              <a:rPr lang="en-US" altLang="zh-TW" sz="2800" dirty="0" err="1">
+                <a:solidFill>
+                  <a:schemeClr val="bg1"/>
+                </a:solidFill>
+              </a:rPr>
+              <a:t>CodeReview</a:t>
+            </a:r>
+            <a:endParaRPr lang="zh-TW" altLang="zh-TW" sz="2800" dirty="0">
+              <a:solidFill>
+                <a:schemeClr val="bg1"/>
+              </a:solidFill>
+            </a:endParaRPr>
+          </a:p>
+          <a:p>
+            <a:pPr marL="985838" indent="-542925">
+              <a:lnSpc>
+                <a:spcPts val="3360"/>
+              </a:lnSpc>
+            </a:pPr>
+            <a:r>
+              <a:rPr lang="en-US" altLang="zh-TW" sz="2800" dirty="0">
+                <a:solidFill>
+                  <a:schemeClr val="bg1"/>
+                </a:solidFill>
+              </a:rPr>
+              <a:t>- Specification Doc</a:t>
+            </a:r>
+            <a:endParaRPr lang="zh-TW" altLang="en-US" dirty="0">
+              <a:solidFill>
+                <a:schemeClr val="bg1"/>
+              </a:solidFill>
+            </a:endParaRPr>
+          </a:p>
+        </p:txBody>
+      </p:sp>
+      <p:sp>
+        <p:nvSpPr>
+          <p:cNvPr id="6" name="箭號: ＞形 22">
+            <a:extLst>
+              <a:ext uri="{FF2B5EF4-FFF2-40B4-BE49-F238E27FC236}">
+                <a16:creationId xmlns:a16="http://schemas.microsoft.com/office/drawing/2014/main" id="{4C4E3FEC-9139-41EE-AE65-92F0A66849A0}"/>
+              </a:ext>
+            </a:extLst>
+          </p:cNvPr>
+          <p:cNvSpPr/>
+          <p:nvPr/>
+        </p:nvSpPr>
+        <p:spPr>
+          <a:xfrm>
+            <a:off x="7965253" y="3982470"/>
+            <a:ext cx="3543903" cy="2194491"/>
+          </a:xfrm>
+          <a:custGeom>
+            <a:avLst/>
+            <a:gdLst>
+              <a:gd name="connsiteX0" fmla="*/ 0 w 2330450"/>
+              <a:gd name="connsiteY0" fmla="*/ 0 h 1246414"/>
+              <a:gd name="connsiteX1" fmla="*/ 1707243 w 2330450"/>
+              <a:gd name="connsiteY1" fmla="*/ 0 h 1246414"/>
+              <a:gd name="connsiteX2" fmla="*/ 2330450 w 2330450"/>
+              <a:gd name="connsiteY2" fmla="*/ 623207 h 1246414"/>
+              <a:gd name="connsiteX3" fmla="*/ 1707243 w 2330450"/>
+              <a:gd name="connsiteY3" fmla="*/ 1246414 h 1246414"/>
+              <a:gd name="connsiteX4" fmla="*/ 0 w 2330450"/>
+              <a:gd name="connsiteY4" fmla="*/ 1246414 h 1246414"/>
+              <a:gd name="connsiteX5" fmla="*/ 623207 w 2330450"/>
+              <a:gd name="connsiteY5" fmla="*/ 623207 h 1246414"/>
+              <a:gd name="connsiteX6" fmla="*/ 0 w 2330450"/>
+              <a:gd name="connsiteY6" fmla="*/ 0 h 1246414"/>
+              <a:gd name="connsiteX0" fmla="*/ 0 w 2330450"/>
+              <a:gd name="connsiteY0" fmla="*/ 0 h 1246414"/>
+              <a:gd name="connsiteX1" fmla="*/ 1707243 w 2330450"/>
+              <a:gd name="connsiteY1" fmla="*/ 0 h 1246414"/>
+              <a:gd name="connsiteX2" fmla="*/ 2330450 w 2330450"/>
+              <a:gd name="connsiteY2" fmla="*/ 623207 h 1246414"/>
+              <a:gd name="connsiteX3" fmla="*/ 1707243 w 2330450"/>
+              <a:gd name="connsiteY3" fmla="*/ 1246414 h 1246414"/>
+              <a:gd name="connsiteX4" fmla="*/ 0 w 2330450"/>
+              <a:gd name="connsiteY4" fmla="*/ 1246414 h 1246414"/>
+              <a:gd name="connsiteX5" fmla="*/ 146957 w 2330450"/>
+              <a:gd name="connsiteY5" fmla="*/ 616857 h 1246414"/>
+              <a:gd name="connsiteX6" fmla="*/ 0 w 2330450"/>
+              <a:gd name="connsiteY6" fmla="*/ 0 h 1246414"/>
+              <a:gd name="connsiteX0" fmla="*/ 0 w 1828800"/>
+              <a:gd name="connsiteY0" fmla="*/ 0 h 1246414"/>
+              <a:gd name="connsiteX1" fmla="*/ 1707243 w 1828800"/>
+              <a:gd name="connsiteY1" fmla="*/ 0 h 1246414"/>
+              <a:gd name="connsiteX2" fmla="*/ 1828800 w 1828800"/>
+              <a:gd name="connsiteY2" fmla="*/ 559707 h 1246414"/>
+              <a:gd name="connsiteX3" fmla="*/ 1707243 w 1828800"/>
+              <a:gd name="connsiteY3" fmla="*/ 1246414 h 1246414"/>
+              <a:gd name="connsiteX4" fmla="*/ 0 w 1828800"/>
+              <a:gd name="connsiteY4" fmla="*/ 1246414 h 1246414"/>
+              <a:gd name="connsiteX5" fmla="*/ 146957 w 1828800"/>
+              <a:gd name="connsiteY5" fmla="*/ 616857 h 1246414"/>
+              <a:gd name="connsiteX6" fmla="*/ 0 w 1828800"/>
+              <a:gd name="connsiteY6" fmla="*/ 0 h 1246414"/>
+              <a:gd name="connsiteX0" fmla="*/ 0 w 1866900"/>
+              <a:gd name="connsiteY0" fmla="*/ 0 h 1246414"/>
+              <a:gd name="connsiteX1" fmla="*/ 1707243 w 1866900"/>
+              <a:gd name="connsiteY1" fmla="*/ 0 h 1246414"/>
+              <a:gd name="connsiteX2" fmla="*/ 1866900 w 1866900"/>
+              <a:gd name="connsiteY2" fmla="*/ 610507 h 1246414"/>
+              <a:gd name="connsiteX3" fmla="*/ 1707243 w 1866900"/>
+              <a:gd name="connsiteY3" fmla="*/ 1246414 h 1246414"/>
+              <a:gd name="connsiteX4" fmla="*/ 0 w 1866900"/>
+              <a:gd name="connsiteY4" fmla="*/ 1246414 h 1246414"/>
+              <a:gd name="connsiteX5" fmla="*/ 146957 w 1866900"/>
+              <a:gd name="connsiteY5" fmla="*/ 616857 h 1246414"/>
+              <a:gd name="connsiteX6" fmla="*/ 0 w 1866900"/>
+              <a:gd name="connsiteY6" fmla="*/ 0 h 1246414"/>
+            </a:gdLst>
+            <a:ahLst/>
+            <a:cxnLst>
+              <a:cxn ang="0">
+                <a:pos x="connsiteX0" y="connsiteY0"/>
+              </a:cxn>
+              <a:cxn ang="0">
+                <a:pos x="connsiteX1" y="connsiteY1"/>
+              </a:cxn>
+              <a:cxn ang="0">
+                <a:pos x="connsiteX2" y="connsiteY2"/>
+              </a:cxn>
+              <a:cxn ang="0">
+                <a:pos x="connsiteX3" y="connsiteY3"/>
+              </a:cxn>
+              <a:cxn ang="0">
+                <a:pos x="connsiteX4" y="connsiteY4"/>
+              </a:cxn>
+              <a:cxn ang="0">
+                <a:pos x="connsiteX5" y="connsiteY5"/>
+              </a:cxn>
+              <a:cxn ang="0">
+                <a:pos x="connsiteX6" y="connsiteY6"/>
+              </a:cxn>
+            </a:cxnLst>
+            <a:rect l="l" t="t" r="r" b="b"/>
+            <a:pathLst>
+              <a:path w="1866900" h="1246414">
+                <a:moveTo>
+                  <a:pt x="0" y="0"/>
+                </a:moveTo>
+                <a:lnTo>
+                  <a:pt x="1707243" y="0"/>
+                </a:lnTo>
+                <a:lnTo>
+                  <a:pt x="1866900" y="610507"/>
+                </a:lnTo>
+                <a:lnTo>
+                  <a:pt x="1707243" y="1246414"/>
+                </a:lnTo>
+                <a:lnTo>
+                  <a:pt x="0" y="1246414"/>
+                </a:lnTo>
+                <a:lnTo>
+                  <a:pt x="146957" y="616857"/>
+                </a:lnTo>
+                <a:lnTo>
+                  <a:pt x="0" y="0"/>
+                </a:lnTo>
+                <a:close/>
+              </a:path>
+            </a:pathLst>
+          </a:custGeom>
+          <a:gradFill flip="none" rotWithShape="1">
+            <a:gsLst>
+              <a:gs pos="0">
+                <a:schemeClr val="accent1">
+                  <a:lumMod val="67000"/>
+                </a:schemeClr>
+              </a:gs>
+              <a:gs pos="56000">
+                <a:schemeClr val="accent1">
+                  <a:lumMod val="97000"/>
+                  <a:lumOff val="3000"/>
+                </a:schemeClr>
+              </a:gs>
+              <a:gs pos="81000">
+                <a:schemeClr val="accent1">
+                  <a:lumMod val="60000"/>
+                  <a:lumOff val="40000"/>
+                </a:schemeClr>
+              </a:gs>
+            </a:gsLst>
+            <a:lin ang="3600000" scaled="0"/>
+            <a:tileRect/>
+          </a:gradFill>
+        </p:spPr>
+        <p:style>
+          <a:lnRef idx="2">
+            <a:schemeClr val="accent1">
+              <a:shade val="50000"/>
+            </a:schemeClr>
+          </a:lnRef>
+          <a:fillRef idx="1">
+            <a:schemeClr val="accent1"/>
+          </a:fillRef>
+          <a:effectRef idx="0">
+            <a:schemeClr val="accent1"/>
+          </a:effectRef>
+          <a:fontRef idx="minor">
+            <a:schemeClr val="lt1"/>
+          </a:fontRef>
+        </p:style>
+        <p:txBody>
+          <a:bodyPr rtlCol="0" anchor="t"/>
+          <a:lstStyle/>
+          <a:p>
+            <a:pPr indent="185738"/>
+            <a:r>
+              <a:rPr lang="en-US" altLang="zh-TW" sz="3600" b="1" dirty="0">
+                <a:solidFill>
+                  <a:srgbClr val="FFFF00"/>
+                </a:solidFill>
+              </a:rPr>
+              <a:t>Level 3</a:t>
+            </a:r>
+          </a:p>
+          <a:p>
+            <a:pPr marL="985838" indent="-542925">
+              <a:lnSpc>
+                <a:spcPts val="3360"/>
+              </a:lnSpc>
+            </a:pPr>
+            <a:r>
+              <a:rPr lang="en-US" altLang="zh-TW" sz="2800" dirty="0">
+                <a:solidFill>
+                  <a:schemeClr val="bg1"/>
+                </a:solidFill>
+              </a:rPr>
+              <a:t>- Unit test</a:t>
+            </a:r>
+          </a:p>
+          <a:p>
+            <a:pPr marL="985838" indent="-542925">
+              <a:lnSpc>
+                <a:spcPts val="3360"/>
+              </a:lnSpc>
+            </a:pPr>
+            <a:r>
+              <a:rPr lang="en-US" altLang="zh-TW" sz="2800" dirty="0">
+                <a:solidFill>
+                  <a:schemeClr val="bg1"/>
+                </a:solidFill>
+              </a:rPr>
+              <a:t>- Integration test</a:t>
+            </a:r>
+            <a:endParaRPr lang="zh-TW" altLang="zh-TW" sz="2800" dirty="0">
+              <a:solidFill>
+                <a:schemeClr val="bg1"/>
+              </a:solidFill>
+            </a:endParaRPr>
+          </a:p>
+          <a:p>
+            <a:endParaRPr lang="zh-TW" altLang="en-US" dirty="0">
+              <a:solidFill>
+                <a:schemeClr val="bg1"/>
+              </a:solidFill>
+            </a:endParaRPr>
+          </a:p>
+        </p:txBody>
+      </p:sp>
+    </p:spTree>
+    <p:extLst>
+      <p:ext uri="{BB962C8B-B14F-4D97-AF65-F5344CB8AC3E}">
+        <p14:creationId xmlns:p14="http://schemas.microsoft.com/office/powerpoint/2010/main" val="3930879851"/>
       </p:ext>
     </p:extLst>
   </p:cSld>
